--- a/support/drawing/algorithm.pptx
+++ b/support/drawing/algorithm.pptx
@@ -104,6 +104,11 @@
       </a:defRPr>
     </a:lvl9pPr>
   </p:defaultTextStyle>
+  <p:extLst>
+    <p:ext uri="{EFAFB233-063F-42B5-8137-9DF3F51BA10A}">
+      <p15:sldGuideLst xmlns:p15="http://schemas.microsoft.com/office/powerpoint/2012/main"/>
+    </p:ext>
+  </p:extLst>
 </p:presentation>
 </file>
 
@@ -3342,8 +3347,8 @@
           <a:chExt cx="0" cy="0"/>
         </a:xfrm>
       </p:grpSpPr>
-      <mc:AlternateContent xmlns:mc="http://schemas.openxmlformats.org/markup-compatibility/2006">
-        <mc:Choice xmlns:a14="http://schemas.microsoft.com/office/drawing/2010/main" Requires="a14">
+      <mc:AlternateContent xmlns:mc="http://schemas.openxmlformats.org/markup-compatibility/2006" xmlns:a14="http://schemas.microsoft.com/office/drawing/2010/main">
+        <mc:Choice Requires="a14">
           <p:sp>
             <p:nvSpPr>
               <p:cNvPr id="5" name="CuadroTexto 4">
@@ -3466,7 +3471,7 @@
             </p:txBody>
           </p:sp>
         </mc:Choice>
-        <mc:Fallback>
+        <mc:Fallback xmlns="">
           <p:sp>
             <p:nvSpPr>
               <p:cNvPr id="5" name="CuadroTexto 4">
@@ -3511,8 +3516,8 @@
           </p:sp>
         </mc:Fallback>
       </mc:AlternateContent>
-      <mc:AlternateContent xmlns:mc="http://schemas.openxmlformats.org/markup-compatibility/2006">
-        <mc:Choice xmlns:a14="http://schemas.microsoft.com/office/drawing/2010/main" Requires="a14">
+      <mc:AlternateContent xmlns:mc="http://schemas.openxmlformats.org/markup-compatibility/2006" xmlns:a14="http://schemas.microsoft.com/office/drawing/2010/main">
+        <mc:Choice Requires="a14">
           <p:sp>
             <p:nvSpPr>
               <p:cNvPr id="6" name="CuadroTexto 5">
@@ -3635,7 +3640,7 @@
             </p:txBody>
           </p:sp>
         </mc:Choice>
-        <mc:Fallback>
+        <mc:Fallback xmlns="">
           <p:sp>
             <p:nvSpPr>
               <p:cNvPr id="6" name="CuadroTexto 5">
@@ -3680,8 +3685,8 @@
           </p:sp>
         </mc:Fallback>
       </mc:AlternateContent>
-      <mc:AlternateContent xmlns:mc="http://schemas.openxmlformats.org/markup-compatibility/2006">
-        <mc:Choice xmlns:a14="http://schemas.microsoft.com/office/drawing/2010/main" Requires="a14">
+      <mc:AlternateContent xmlns:mc="http://schemas.openxmlformats.org/markup-compatibility/2006" xmlns:a14="http://schemas.microsoft.com/office/drawing/2010/main">
+        <mc:Choice Requires="a14">
           <p:sp>
             <p:nvSpPr>
               <p:cNvPr id="7" name="CuadroTexto 6">
@@ -3875,7 +3880,7 @@
             </p:txBody>
           </p:sp>
         </mc:Choice>
-        <mc:Fallback>
+        <mc:Fallback xmlns="">
           <p:sp>
             <p:nvSpPr>
               <p:cNvPr id="7" name="CuadroTexto 6">
@@ -3920,8 +3925,8 @@
           </p:sp>
         </mc:Fallback>
       </mc:AlternateContent>
-      <mc:AlternateContent xmlns:mc="http://schemas.openxmlformats.org/markup-compatibility/2006">
-        <mc:Choice xmlns:a14="http://schemas.microsoft.com/office/drawing/2010/main" Requires="a14">
+      <mc:AlternateContent xmlns:mc="http://schemas.openxmlformats.org/markup-compatibility/2006" xmlns:a14="http://schemas.microsoft.com/office/drawing/2010/main">
+        <mc:Choice Requires="a14">
           <p:sp>
             <p:nvSpPr>
               <p:cNvPr id="8" name="CuadroTexto 7">
@@ -4015,7 +4020,7 @@
             </p:txBody>
           </p:sp>
         </mc:Choice>
-        <mc:Fallback>
+        <mc:Fallback xmlns="">
           <p:sp>
             <p:nvSpPr>
               <p:cNvPr id="8" name="CuadroTexto 7">
@@ -4060,8 +4065,8 @@
           </p:sp>
         </mc:Fallback>
       </mc:AlternateContent>
-      <mc:AlternateContent xmlns:mc="http://schemas.openxmlformats.org/markup-compatibility/2006">
-        <mc:Choice xmlns:a14="http://schemas.microsoft.com/office/drawing/2010/main" Requires="a14">
+      <mc:AlternateContent xmlns:mc="http://schemas.openxmlformats.org/markup-compatibility/2006" xmlns:a14="http://schemas.microsoft.com/office/drawing/2010/main">
+        <mc:Choice Requires="a14">
           <p:sp>
             <p:nvSpPr>
               <p:cNvPr id="9" name="CuadroTexto 8">
@@ -4296,7 +4301,7 @@
             </p:txBody>
           </p:sp>
         </mc:Choice>
-        <mc:Fallback>
+        <mc:Fallback xmlns="">
           <p:sp>
             <p:nvSpPr>
               <p:cNvPr id="9" name="CuadroTexto 8">
@@ -4341,8 +4346,8 @@
           </p:sp>
         </mc:Fallback>
       </mc:AlternateContent>
-      <mc:AlternateContent xmlns:mc="http://schemas.openxmlformats.org/markup-compatibility/2006">
-        <mc:Choice xmlns:a14="http://schemas.microsoft.com/office/drawing/2010/main" Requires="a14">
+      <mc:AlternateContent xmlns:mc="http://schemas.openxmlformats.org/markup-compatibility/2006" xmlns:a14="http://schemas.microsoft.com/office/drawing/2010/main">
+        <mc:Choice Requires="a14">
           <p:sp>
             <p:nvSpPr>
               <p:cNvPr id="10" name="CuadroTexto 9">
@@ -4545,7 +4550,7 @@
             </p:txBody>
           </p:sp>
         </mc:Choice>
-        <mc:Fallback>
+        <mc:Fallback xmlns="">
           <p:sp>
             <p:nvSpPr>
               <p:cNvPr id="10" name="CuadroTexto 9">
@@ -4607,7 +4612,7 @@
             <p:spPr>
               <a:xfrm>
                 <a:off x="4362893" y="5759391"/>
-                <a:ext cx="3466214" cy="562718"/>
+                <a:ext cx="3466214" cy="546753"/>
               </a:xfrm>
               <a:prstGeom prst="rect">
                 <a:avLst/>
@@ -4642,7 +4647,7 @@
                 <a:pPr algn="ctr"/>
                 <a:r>
                   <a:rPr lang="es-AR" sz="1200" dirty="0"/>
-                  <a:t>Se estima actualizan los coeficientes del filtro.</a:t>
+                  <a:t>Se actualizan los coeficientes del filtro.</a:t>
                 </a:r>
               </a:p>
               <a:p>
@@ -4777,7 +4782,7 @@
                                   <a:rPr lang="es-AR" sz="1200" b="1" i="1" dirty="0" smtClean="0">
                                     <a:latin typeface="Cambria Math" panose="02040503050406030204" pitchFamily="18" charset="0"/>
                                   </a:rPr>
-                                  <m:t>𝒙</m:t>
+                                  <m:t>𝒄</m:t>
                                 </m:r>
                               </m:e>
                             </m:acc>
@@ -4828,7 +4833,7 @@
                               <a:rPr lang="es-AR" sz="1200" b="1" i="1" dirty="0" smtClean="0">
                                 <a:latin typeface="Cambria Math" panose="02040503050406030204" pitchFamily="18" charset="0"/>
                               </a:rPr>
-                              <m:t>𝒙</m:t>
+                              <m:t>𝒄</m:t>
                             </m:r>
                           </m:e>
                         </m:acc>
@@ -4994,7 +4999,7 @@
             <p:spPr>
               <a:xfrm>
                 <a:off x="4362893" y="5759391"/>
-                <a:ext cx="3466214" cy="562718"/>
+                <a:ext cx="3466214" cy="546753"/>
               </a:xfrm>
               <a:prstGeom prst="rect">
                 <a:avLst/>
@@ -5250,12 +5255,12 @@
         </p:nvCxnSpPr>
         <p:spPr>
           <a:xfrm rot="5400000" flipH="1">
-            <a:off x="3396163" y="3622273"/>
-            <a:ext cx="3666567" cy="1733106"/>
+            <a:off x="3404146" y="3614290"/>
+            <a:ext cx="3650602" cy="1733106"/>
           </a:xfrm>
           <a:prstGeom prst="bentConnector4">
             <a:avLst>
-              <a:gd name="adj1" fmla="val -6235"/>
+              <a:gd name="adj1" fmla="val -6262"/>
               <a:gd name="adj2" fmla="val 113190"/>
             </a:avLst>
           </a:prstGeom>
@@ -5314,8 +5319,8 @@
           </a:p>
         </p:txBody>
       </p:sp>
-      <mc:AlternateContent xmlns:mc="http://schemas.openxmlformats.org/markup-compatibility/2006">
-        <mc:Choice xmlns:a14="http://schemas.microsoft.com/office/drawing/2010/main" Requires="a14">
+      <mc:AlternateContent xmlns:mc="http://schemas.openxmlformats.org/markup-compatibility/2006" xmlns:a14="http://schemas.microsoft.com/office/drawing/2010/main">
+        <mc:Choice Requires="a14">
           <p:sp>
             <p:nvSpPr>
               <p:cNvPr id="43" name="CuadroTexto 42">
@@ -5403,7 +5408,7 @@
             </p:txBody>
           </p:sp>
         </mc:Choice>
-        <mc:Fallback>
+        <mc:Fallback xmlns="">
           <p:sp>
             <p:nvSpPr>
               <p:cNvPr id="43" name="CuadroTexto 42">
